--- a/presentation/siop-2022-interactive-shiny-cover.pptx
+++ b/presentation/siop-2022-interactive-shiny-cover.pptx
@@ -112,6 +112,35 @@
 </p:presentation>
 </file>
 
+<file path=ppt/changesInfos/changesInfo1.xml><?xml version="1.0" encoding="utf-8"?>
+<pc:chgInfo xmlns:a="http://schemas.openxmlformats.org/drawingml/2006/main" xmlns:r="http://schemas.openxmlformats.org/officeDocument/2006/relationships" xmlns:ac="http://schemas.microsoft.com/office/drawing/2013/main/command" xmlns:pc="http://schemas.microsoft.com/office/powerpoint/2013/main/command">
+  <pc:docChgLst>
+    <pc:chgData name="Steven Nydick" userId="2e940635-363c-4f93-8e3a-59cb48489849" providerId="ADAL" clId="{C79902D2-2057-8F45-AFC3-D2ED7E4AD930}"/>
+    <pc:docChg chg="modSld">
+      <pc:chgData name="Steven Nydick" userId="2e940635-363c-4f93-8e3a-59cb48489849" providerId="ADAL" clId="{C79902D2-2057-8F45-AFC3-D2ED7E4AD930}" dt="2022-04-21T14:17:18.574" v="1" actId="20577"/>
+      <pc:docMkLst>
+        <pc:docMk/>
+      </pc:docMkLst>
+      <pc:sldChg chg="modSp mod">
+        <pc:chgData name="Steven Nydick" userId="2e940635-363c-4f93-8e3a-59cb48489849" providerId="ADAL" clId="{C79902D2-2057-8F45-AFC3-D2ED7E4AD930}" dt="2022-04-21T14:17:18.574" v="1" actId="20577"/>
+        <pc:sldMkLst>
+          <pc:docMk/>
+          <pc:sldMk cId="1024178893" sldId="256"/>
+        </pc:sldMkLst>
+        <pc:spChg chg="mod">
+          <ac:chgData name="Steven Nydick" userId="2e940635-363c-4f93-8e3a-59cb48489849" providerId="ADAL" clId="{C79902D2-2057-8F45-AFC3-D2ED7E4AD930}" dt="2022-04-21T14:17:18.574" v="1" actId="20577"/>
+          <ac:spMkLst>
+            <pc:docMk/>
+            <pc:sldMk cId="1024178893" sldId="256"/>
+            <ac:spMk id="3" creationId="{A3125ACE-E4CA-4E45-863E-B2804255CA6C}"/>
+          </ac:spMkLst>
+        </pc:spChg>
+      </pc:sldChg>
+    </pc:docChg>
+  </pc:docChgLst>
+</pc:chgInfo>
+</file>
+
 <file path=ppt/slideLayouts/slideLayout1.xml><?xml version="1.0" encoding="utf-8"?>
 <p:sldLayout xmlns:a="http://schemas.openxmlformats.org/drawingml/2006/main" xmlns:r="http://schemas.openxmlformats.org/officeDocument/2006/relationships" xmlns:p="http://schemas.openxmlformats.org/presentationml/2006/main" type="title" preserve="1">
   <p:cSld name="Title Slide">
@@ -259,7 +288,7 @@
           <a:p>
             <a:fld id="{5B78CDA1-A93D-43F8-8345-BFB3A5245EB3}" type="datetimeFigureOut">
               <a:rPr lang="en-US" smtClean="0"/>
-              <a:t>3/19/22</a:t>
+              <a:t>4/21/22</a:t>
             </a:fld>
             <a:endParaRPr lang="en-US"/>
           </a:p>
@@ -457,7 +486,7 @@
           <a:p>
             <a:fld id="{5B78CDA1-A93D-43F8-8345-BFB3A5245EB3}" type="datetimeFigureOut">
               <a:rPr lang="en-US" smtClean="0"/>
-              <a:t>3/19/22</a:t>
+              <a:t>4/21/22</a:t>
             </a:fld>
             <a:endParaRPr lang="en-US"/>
           </a:p>
@@ -665,7 +694,7 @@
           <a:p>
             <a:fld id="{5B78CDA1-A93D-43F8-8345-BFB3A5245EB3}" type="datetimeFigureOut">
               <a:rPr lang="en-US" smtClean="0"/>
-              <a:t>3/19/22</a:t>
+              <a:t>4/21/22</a:t>
             </a:fld>
             <a:endParaRPr lang="en-US"/>
           </a:p>
@@ -863,7 +892,7 @@
           <a:p>
             <a:fld id="{5B78CDA1-A93D-43F8-8345-BFB3A5245EB3}" type="datetimeFigureOut">
               <a:rPr lang="en-US" smtClean="0"/>
-              <a:t>3/19/22</a:t>
+              <a:t>4/21/22</a:t>
             </a:fld>
             <a:endParaRPr lang="en-US"/>
           </a:p>
@@ -1138,7 +1167,7 @@
           <a:p>
             <a:fld id="{5B78CDA1-A93D-43F8-8345-BFB3A5245EB3}" type="datetimeFigureOut">
               <a:rPr lang="en-US" smtClean="0"/>
-              <a:t>3/19/22</a:t>
+              <a:t>4/21/22</a:t>
             </a:fld>
             <a:endParaRPr lang="en-US"/>
           </a:p>
@@ -1403,7 +1432,7 @@
           <a:p>
             <a:fld id="{5B78CDA1-A93D-43F8-8345-BFB3A5245EB3}" type="datetimeFigureOut">
               <a:rPr lang="en-US" smtClean="0"/>
-              <a:t>3/19/22</a:t>
+              <a:t>4/21/22</a:t>
             </a:fld>
             <a:endParaRPr lang="en-US"/>
           </a:p>
@@ -1815,7 +1844,7 @@
           <a:p>
             <a:fld id="{5B78CDA1-A93D-43F8-8345-BFB3A5245EB3}" type="datetimeFigureOut">
               <a:rPr lang="en-US" smtClean="0"/>
-              <a:t>3/19/22</a:t>
+              <a:t>4/21/22</a:t>
             </a:fld>
             <a:endParaRPr lang="en-US"/>
           </a:p>
@@ -1956,7 +1985,7 @@
           <a:p>
             <a:fld id="{5B78CDA1-A93D-43F8-8345-BFB3A5245EB3}" type="datetimeFigureOut">
               <a:rPr lang="en-US" smtClean="0"/>
-              <a:t>3/19/22</a:t>
+              <a:t>4/21/22</a:t>
             </a:fld>
             <a:endParaRPr lang="en-US"/>
           </a:p>
@@ -2069,7 +2098,7 @@
           <a:p>
             <a:fld id="{5B78CDA1-A93D-43F8-8345-BFB3A5245EB3}" type="datetimeFigureOut">
               <a:rPr lang="en-US" smtClean="0"/>
-              <a:t>3/19/22</a:t>
+              <a:t>4/21/22</a:t>
             </a:fld>
             <a:endParaRPr lang="en-US"/>
           </a:p>
@@ -2380,7 +2409,7 @@
           <a:p>
             <a:fld id="{5B78CDA1-A93D-43F8-8345-BFB3A5245EB3}" type="datetimeFigureOut">
               <a:rPr lang="en-US" smtClean="0"/>
-              <a:t>3/19/22</a:t>
+              <a:t>4/21/22</a:t>
             </a:fld>
             <a:endParaRPr lang="en-US"/>
           </a:p>
@@ -2671,7 +2700,7 @@
           <a:p>
             <a:fld id="{5B78CDA1-A93D-43F8-8345-BFB3A5245EB3}" type="datetimeFigureOut">
               <a:rPr lang="en-US" smtClean="0"/>
-              <a:t>3/19/22</a:t>
+              <a:t>4/21/22</a:t>
             </a:fld>
             <a:endParaRPr lang="en-US"/>
           </a:p>
@@ -2912,7 +2941,7 @@
           <a:p>
             <a:fld id="{5B78CDA1-A93D-43F8-8345-BFB3A5245EB3}" type="datetimeFigureOut">
               <a:rPr lang="en-US" smtClean="0"/>
-              <a:t>3/19/22</a:t>
+              <a:t>4/21/22</a:t>
             </a:fld>
             <a:endParaRPr lang="en-US"/>
           </a:p>
@@ -3403,8 +3432,12 @@
               <a:t>This session </a:t>
             </a:r>
             <a:r>
+              <a:rPr lang="en-US" sz="2000" b="1"/>
+              <a:t>WILL be </a:t>
+            </a:r>
+            <a:r>
               <a:rPr lang="en-US" sz="2000" b="1" dirty="0"/>
-              <a:t>WILL (or WILL NOT) be recorded</a:t>
+              <a:t>recorded</a:t>
             </a:r>
             <a:r>
               <a:rPr lang="en-US" sz="2000" dirty="0"/>
@@ -3915,6 +3948,21 @@
 </file>
 
 <file path=customXml/item1.xml><?xml version="1.0" encoding="utf-8"?>
+<p:properties xmlns:p="http://schemas.microsoft.com/office/2006/metadata/properties" xmlns:xsi="http://www.w3.org/2001/XMLSchema-instance" xmlns:pc="http://schemas.microsoft.com/office/infopath/2007/PartnerControls">
+  <documentManagement/>
+</p:properties>
+</file>
+
+<file path=customXml/item2.xml><?xml version="1.0" encoding="utf-8"?>
+<?mso-contentType ?>
+<FormTemplates xmlns="http://schemas.microsoft.com/sharepoint/v3/contenttype/forms">
+  <Display>DocumentLibraryForm</Display>
+  <Edit>DocumentLibraryForm</Edit>
+  <New>DocumentLibraryForm</New>
+</FormTemplates>
+</file>
+
+<file path=customXml/item3.xml><?xml version="1.0" encoding="utf-8"?>
 <ct:contentTypeSchema xmlns:ct="http://schemas.microsoft.com/office/2006/metadata/contentType" xmlns:ma="http://schemas.microsoft.com/office/2006/metadata/properties/metaAttributes" ct:_="" ma:_="" ma:contentTypeName="Document" ma:contentTypeID="0x01010064F9DBCE4BA6704FAA42A216BA50C09E" ma:contentTypeVersion="13" ma:contentTypeDescription="Create a new document." ma:contentTypeScope="" ma:versionID="dbc1b2f997579b1f427d1926250df6e3">
   <xsd:schema xmlns:xsd="http://www.w3.org/2001/XMLSchema" xmlns:xs="http://www.w3.org/2001/XMLSchema" xmlns:p="http://schemas.microsoft.com/office/2006/metadata/properties" xmlns:ns2="3921b8a9-52a1-4297-8a18-7b15210c94b7" xmlns:ns3="540735dd-19ef-4ed0-9823-4fb494e5cdd4" targetNamespace="http://schemas.microsoft.com/office/2006/metadata/properties" ma:root="true" ma:fieldsID="619368e96b9243a606ad9e4710256e5f" ns2:_="" ns3:_="">
     <xsd:import namespace="3921b8a9-52a1-4297-8a18-7b15210c94b7"/>
@@ -4137,22 +4185,32 @@
 </ct:contentTypeSchema>
 </file>
 
-<file path=customXml/item2.xml><?xml version="1.0" encoding="utf-8"?>
-<?mso-contentType ?>
-<FormTemplates xmlns="http://schemas.microsoft.com/sharepoint/v3/contenttype/forms">
-  <Display>DocumentLibraryForm</Display>
-  <Edit>DocumentLibraryForm</Edit>
-  <New>DocumentLibraryForm</New>
-</FormTemplates>
+<file path=customXml/itemProps1.xml><?xml version="1.0" encoding="utf-8"?>
+<ds:datastoreItem xmlns:ds="http://schemas.openxmlformats.org/officeDocument/2006/customXml" ds:itemID="{4CE57E8D-F9AC-48A9-882D-9DFE876509DD}">
+  <ds:schemaRefs>
+    <ds:schemaRef ds:uri="http://schemas.openxmlformats.org/package/2006/metadata/core-properties"/>
+    <ds:schemaRef ds:uri="http://schemas.microsoft.com/office/2006/metadata/properties"/>
+    <ds:schemaRef ds:uri="3921b8a9-52a1-4297-8a18-7b15210c94b7"/>
+    <ds:schemaRef ds:uri="http://schemas.microsoft.com/office/infopath/2007/PartnerControls"/>
+    <ds:schemaRef ds:uri="http://schemas.microsoft.com/office/2006/documentManagement/types"/>
+    <ds:schemaRef ds:uri="http://purl.org/dc/terms/"/>
+    <ds:schemaRef ds:uri="http://purl.org/dc/elements/1.1/"/>
+    <ds:schemaRef ds:uri="540735dd-19ef-4ed0-9823-4fb494e5cdd4"/>
+    <ds:schemaRef ds:uri="http://www.w3.org/XML/1998/namespace"/>
+    <ds:schemaRef ds:uri="http://purl.org/dc/dcmitype/"/>
+  </ds:schemaRefs>
+</ds:datastoreItem>
 </file>
 
-<file path=customXml/item3.xml><?xml version="1.0" encoding="utf-8"?>
-<p:properties xmlns:p="http://schemas.microsoft.com/office/2006/metadata/properties" xmlns:xsi="http://www.w3.org/2001/XMLSchema-instance" xmlns:pc="http://schemas.microsoft.com/office/infopath/2007/PartnerControls">
-  <documentManagement/>
-</p:properties>
+<file path=customXml/itemProps2.xml><?xml version="1.0" encoding="utf-8"?>
+<ds:datastoreItem xmlns:ds="http://schemas.openxmlformats.org/officeDocument/2006/customXml" ds:itemID="{AF7C575E-10C6-4827-88D2-7BB2102CD34D}">
+  <ds:schemaRefs>
+    <ds:schemaRef ds:uri="http://schemas.microsoft.com/sharepoint/v3/contenttype/forms"/>
+  </ds:schemaRefs>
+</ds:datastoreItem>
 </file>
 
-<file path=customXml/itemProps1.xml><?xml version="1.0" encoding="utf-8"?>
+<file path=customXml/itemProps3.xml><?xml version="1.0" encoding="utf-8"?>
 <ds:datastoreItem xmlns:ds="http://schemas.openxmlformats.org/officeDocument/2006/customXml" ds:itemID="{6E123A50-EE9E-4FAB-8B3E-69215A7B3DD7}">
   <ds:schemaRefs>
     <ds:schemaRef ds:uri="http://schemas.microsoft.com/office/2006/metadata/contentType"/>
@@ -4169,21 +4227,4 @@
     <ds:schemaRef ds:uri="http://schemas.microsoft.com/internal/obd"/>
   </ds:schemaRefs>
 </ds:datastoreItem>
-</file>
-
-<file path=customXml/itemProps2.xml><?xml version="1.0" encoding="utf-8"?>
-<ds:datastoreItem xmlns:ds="http://schemas.openxmlformats.org/officeDocument/2006/customXml" ds:itemID="{AF7C575E-10C6-4827-88D2-7BB2102CD34D}">
-  <ds:schemaRefs>
-    <ds:schemaRef ds:uri="http://schemas.microsoft.com/sharepoint/v3/contenttype/forms"/>
-  </ds:schemaRefs>
-</ds:datastoreItem>
-</file>
-
-<file path=customXml/itemProps3.xml><?xml version="1.0" encoding="utf-8"?>
-<ds:datastoreItem xmlns:ds="http://schemas.openxmlformats.org/officeDocument/2006/customXml" ds:itemID="{4CE57E8D-F9AC-48A9-882D-9DFE876509DD}">
-  <ds:schemaRefs>
-    <ds:schemaRef ds:uri="http://schemas.microsoft.com/office/2006/metadata/properties"/>
-    <ds:schemaRef ds:uri="http://schemas.microsoft.com/office/infopath/2007/PartnerControls"/>
-  </ds:schemaRefs>
-</ds:datastoreItem>
 </file>